--- a/ppt 16-9/1457.十架道路通天.pptx
+++ b/ppt 16-9/1457.十架道路通天.pptx
@@ -5,7 +5,7 @@
     <p:sldMasterId id="2147483648" r:id="rId1"/>
   </p:sldMasterIdLst>
   <p:sldIdLst>
-    <p:sldId id="1028" r:id="rId2"/>
+    <p:sldId id="1029" r:id="rId2"/>
   </p:sldIdLst>
   <p:sldSz cx="12192000" cy="6858000"/>
   <p:notesSz cx="6858000" cy="9144000"/>
@@ -129,7 +129,7 @@
           <p:cNvPr id="2" name="标题 1">
             <a:extLst>
               <a:ext uri="{FF2B5EF4-FFF2-40B4-BE49-F238E27FC236}">
-                <a16:creationId xmlns:a16="http://schemas.microsoft.com/office/drawing/2014/main" id="{7A8D86C9-C7B7-C2E5-2728-C4AD28EE89D8}"/>
+                <a16:creationId xmlns:a16="http://schemas.microsoft.com/office/drawing/2014/main" id="{CA203E5F-D7CA-FFB5-28D5-C30583D71343}"/>
               </a:ext>
             </a:extLst>
           </p:cNvPr>
@@ -166,7 +166,7 @@
           <p:cNvPr id="3" name="副标题 2">
             <a:extLst>
               <a:ext uri="{FF2B5EF4-FFF2-40B4-BE49-F238E27FC236}">
-                <a16:creationId xmlns:a16="http://schemas.microsoft.com/office/drawing/2014/main" id="{A549CAFD-9CC7-81FA-D3B0-492E6800640A}"/>
+                <a16:creationId xmlns:a16="http://schemas.microsoft.com/office/drawing/2014/main" id="{6787048F-16F1-AD2D-1F85-A3FE8FBABDF9}"/>
               </a:ext>
             </a:extLst>
           </p:cNvPr>
@@ -236,7 +236,7 @@
           <p:cNvPr id="4" name="日期占位符 3">
             <a:extLst>
               <a:ext uri="{FF2B5EF4-FFF2-40B4-BE49-F238E27FC236}">
-                <a16:creationId xmlns:a16="http://schemas.microsoft.com/office/drawing/2014/main" id="{6E44EE4D-77E1-07EB-9C94-B0E499EA2E33}"/>
+                <a16:creationId xmlns:a16="http://schemas.microsoft.com/office/drawing/2014/main" id="{69F7252E-E5AA-081F-4FE4-881396AF082C}"/>
               </a:ext>
             </a:extLst>
           </p:cNvPr>
@@ -252,7 +252,7 @@
           <a:bodyPr/>
           <a:lstStyle/>
           <a:p>
-            <a:fld id="{77524105-CCA7-4F82-85BA-E4A4A9032DF5}" type="datetimeFigureOut">
+            <a:fld id="{A53F50BC-A092-4EB4-8B95-9C89A0715BB9}" type="datetimeFigureOut">
               <a:rPr lang="zh-CN" altLang="en-US" smtClean="0"/>
               <a:t>2024/3/10</a:t>
             </a:fld>
@@ -265,7 +265,7 @@
           <p:cNvPr id="5" name="页脚占位符 4">
             <a:extLst>
               <a:ext uri="{FF2B5EF4-FFF2-40B4-BE49-F238E27FC236}">
-                <a16:creationId xmlns:a16="http://schemas.microsoft.com/office/drawing/2014/main" id="{F26E41FB-250B-2074-3B6C-6C29906BEA7D}"/>
+                <a16:creationId xmlns:a16="http://schemas.microsoft.com/office/drawing/2014/main" id="{A8614688-9BBB-1181-F01A-B061DECA28E4}"/>
               </a:ext>
             </a:extLst>
           </p:cNvPr>
@@ -290,7 +290,7 @@
           <p:cNvPr id="6" name="灯片编号占位符 5">
             <a:extLst>
               <a:ext uri="{FF2B5EF4-FFF2-40B4-BE49-F238E27FC236}">
-                <a16:creationId xmlns:a16="http://schemas.microsoft.com/office/drawing/2014/main" id="{54AF3415-3056-1C88-2841-86B4CDD7D792}"/>
+                <a16:creationId xmlns:a16="http://schemas.microsoft.com/office/drawing/2014/main" id="{9FAE964D-C57B-AAF5-B344-573779D46D58}"/>
               </a:ext>
             </a:extLst>
           </p:cNvPr>
@@ -306,7 +306,7 @@
           <a:bodyPr/>
           <a:lstStyle/>
           <a:p>
-            <a:fld id="{029CE5B6-3EF2-4993-9C8D-F3DB0C4FB307}" type="slidenum">
+            <a:fld id="{9EACA4F7-2C0B-46BA-8096-236531A7BB63}" type="slidenum">
               <a:rPr lang="zh-CN" altLang="en-US" smtClean="0"/>
               <a:t>‹#›</a:t>
             </a:fld>
@@ -317,7 +317,7 @@
     </p:spTree>
     <p:extLst>
       <p:ext uri="{BB962C8B-B14F-4D97-AF65-F5344CB8AC3E}">
-        <p14:creationId xmlns:p14="http://schemas.microsoft.com/office/powerpoint/2010/main" val="2840904173"/>
+        <p14:creationId xmlns:p14="http://schemas.microsoft.com/office/powerpoint/2010/main" val="4023736505"/>
       </p:ext>
     </p:extLst>
   </p:cSld>
@@ -349,7 +349,7 @@
           <p:cNvPr id="2" name="标题 1">
             <a:extLst>
               <a:ext uri="{FF2B5EF4-FFF2-40B4-BE49-F238E27FC236}">
-                <a16:creationId xmlns:a16="http://schemas.microsoft.com/office/drawing/2014/main" id="{946B10C6-7299-9294-573B-41DA3CFF6ACA}"/>
+                <a16:creationId xmlns:a16="http://schemas.microsoft.com/office/drawing/2014/main" id="{5BBC73AA-320A-2BCA-ECE3-38D7D759C29C}"/>
               </a:ext>
             </a:extLst>
           </p:cNvPr>
@@ -377,7 +377,7 @@
           <p:cNvPr id="3" name="竖排文字占位符 2">
             <a:extLst>
               <a:ext uri="{FF2B5EF4-FFF2-40B4-BE49-F238E27FC236}">
-                <a16:creationId xmlns:a16="http://schemas.microsoft.com/office/drawing/2014/main" id="{7429D5D4-E59B-D6CD-4713-419B73925F98}"/>
+                <a16:creationId xmlns:a16="http://schemas.microsoft.com/office/drawing/2014/main" id="{5D2CF5C5-5905-1B7A-FD7A-749FB2BD0E3C}"/>
               </a:ext>
             </a:extLst>
           </p:cNvPr>
@@ -434,7 +434,7 @@
           <p:cNvPr id="4" name="日期占位符 3">
             <a:extLst>
               <a:ext uri="{FF2B5EF4-FFF2-40B4-BE49-F238E27FC236}">
-                <a16:creationId xmlns:a16="http://schemas.microsoft.com/office/drawing/2014/main" id="{661BCA32-4E97-71CD-164F-FE93237F9EAC}"/>
+                <a16:creationId xmlns:a16="http://schemas.microsoft.com/office/drawing/2014/main" id="{90C6EBE9-4391-4DFD-3F21-898E6BD8F88A}"/>
               </a:ext>
             </a:extLst>
           </p:cNvPr>
@@ -450,7 +450,7 @@
           <a:bodyPr/>
           <a:lstStyle/>
           <a:p>
-            <a:fld id="{77524105-CCA7-4F82-85BA-E4A4A9032DF5}" type="datetimeFigureOut">
+            <a:fld id="{A53F50BC-A092-4EB4-8B95-9C89A0715BB9}" type="datetimeFigureOut">
               <a:rPr lang="zh-CN" altLang="en-US" smtClean="0"/>
               <a:t>2024/3/10</a:t>
             </a:fld>
@@ -463,7 +463,7 @@
           <p:cNvPr id="5" name="页脚占位符 4">
             <a:extLst>
               <a:ext uri="{FF2B5EF4-FFF2-40B4-BE49-F238E27FC236}">
-                <a16:creationId xmlns:a16="http://schemas.microsoft.com/office/drawing/2014/main" id="{DB40A398-03A7-3212-7BB6-0377C897C0C6}"/>
+                <a16:creationId xmlns:a16="http://schemas.microsoft.com/office/drawing/2014/main" id="{B3670EF0-C7A5-4707-F610-86A6815464FD}"/>
               </a:ext>
             </a:extLst>
           </p:cNvPr>
@@ -488,7 +488,7 @@
           <p:cNvPr id="6" name="灯片编号占位符 5">
             <a:extLst>
               <a:ext uri="{FF2B5EF4-FFF2-40B4-BE49-F238E27FC236}">
-                <a16:creationId xmlns:a16="http://schemas.microsoft.com/office/drawing/2014/main" id="{6B092BF0-35A1-5068-01D7-E6E431E939BB}"/>
+                <a16:creationId xmlns:a16="http://schemas.microsoft.com/office/drawing/2014/main" id="{DE01B5FB-B40A-4179-F575-05B245BD7AF8}"/>
               </a:ext>
             </a:extLst>
           </p:cNvPr>
@@ -504,7 +504,7 @@
           <a:bodyPr/>
           <a:lstStyle/>
           <a:p>
-            <a:fld id="{029CE5B6-3EF2-4993-9C8D-F3DB0C4FB307}" type="slidenum">
+            <a:fld id="{9EACA4F7-2C0B-46BA-8096-236531A7BB63}" type="slidenum">
               <a:rPr lang="zh-CN" altLang="en-US" smtClean="0"/>
               <a:t>‹#›</a:t>
             </a:fld>
@@ -515,7 +515,7 @@
     </p:spTree>
     <p:extLst>
       <p:ext uri="{BB962C8B-B14F-4D97-AF65-F5344CB8AC3E}">
-        <p14:creationId xmlns:p14="http://schemas.microsoft.com/office/powerpoint/2010/main" val="4069833535"/>
+        <p14:creationId xmlns:p14="http://schemas.microsoft.com/office/powerpoint/2010/main" val="2828135018"/>
       </p:ext>
     </p:extLst>
   </p:cSld>
@@ -547,7 +547,7 @@
           <p:cNvPr id="2" name="竖排标题 1">
             <a:extLst>
               <a:ext uri="{FF2B5EF4-FFF2-40B4-BE49-F238E27FC236}">
-                <a16:creationId xmlns:a16="http://schemas.microsoft.com/office/drawing/2014/main" id="{70A39F23-4E5D-DEA2-CF34-B3985ED2066E}"/>
+                <a16:creationId xmlns:a16="http://schemas.microsoft.com/office/drawing/2014/main" id="{90609233-18C5-4CAC-CFCC-EF8A1FFF2402}"/>
               </a:ext>
             </a:extLst>
           </p:cNvPr>
@@ -580,7 +580,7 @@
           <p:cNvPr id="3" name="竖排文字占位符 2">
             <a:extLst>
               <a:ext uri="{FF2B5EF4-FFF2-40B4-BE49-F238E27FC236}">
-                <a16:creationId xmlns:a16="http://schemas.microsoft.com/office/drawing/2014/main" id="{53A0D405-8ADE-6782-4C91-F537AE50C591}"/>
+                <a16:creationId xmlns:a16="http://schemas.microsoft.com/office/drawing/2014/main" id="{A6A8F46E-B8DA-7C86-BE97-381FC007344E}"/>
               </a:ext>
             </a:extLst>
           </p:cNvPr>
@@ -642,7 +642,7 @@
           <p:cNvPr id="4" name="日期占位符 3">
             <a:extLst>
               <a:ext uri="{FF2B5EF4-FFF2-40B4-BE49-F238E27FC236}">
-                <a16:creationId xmlns:a16="http://schemas.microsoft.com/office/drawing/2014/main" id="{8B460BDD-C5C1-B732-DAD4-0C45A7C8BB75}"/>
+                <a16:creationId xmlns:a16="http://schemas.microsoft.com/office/drawing/2014/main" id="{944CFCA6-C3AA-6042-E057-527CA84353FB}"/>
               </a:ext>
             </a:extLst>
           </p:cNvPr>
@@ -658,7 +658,7 @@
           <a:bodyPr/>
           <a:lstStyle/>
           <a:p>
-            <a:fld id="{77524105-CCA7-4F82-85BA-E4A4A9032DF5}" type="datetimeFigureOut">
+            <a:fld id="{A53F50BC-A092-4EB4-8B95-9C89A0715BB9}" type="datetimeFigureOut">
               <a:rPr lang="zh-CN" altLang="en-US" smtClean="0"/>
               <a:t>2024/3/10</a:t>
             </a:fld>
@@ -671,7 +671,7 @@
           <p:cNvPr id="5" name="页脚占位符 4">
             <a:extLst>
               <a:ext uri="{FF2B5EF4-FFF2-40B4-BE49-F238E27FC236}">
-                <a16:creationId xmlns:a16="http://schemas.microsoft.com/office/drawing/2014/main" id="{96E5C00D-BE73-5F01-6984-E7610BCFD36E}"/>
+                <a16:creationId xmlns:a16="http://schemas.microsoft.com/office/drawing/2014/main" id="{360AEDE9-9E34-3FAC-8AFC-855403CB895C}"/>
               </a:ext>
             </a:extLst>
           </p:cNvPr>
@@ -696,7 +696,7 @@
           <p:cNvPr id="6" name="灯片编号占位符 5">
             <a:extLst>
               <a:ext uri="{FF2B5EF4-FFF2-40B4-BE49-F238E27FC236}">
-                <a16:creationId xmlns:a16="http://schemas.microsoft.com/office/drawing/2014/main" id="{655D8A07-4D3F-A54D-B3D6-DE6A0864BB3D}"/>
+                <a16:creationId xmlns:a16="http://schemas.microsoft.com/office/drawing/2014/main" id="{7585E4B1-B062-726D-1A83-4D7DDDB0246E}"/>
               </a:ext>
             </a:extLst>
           </p:cNvPr>
@@ -712,7 +712,7 @@
           <a:bodyPr/>
           <a:lstStyle/>
           <a:p>
-            <a:fld id="{029CE5B6-3EF2-4993-9C8D-F3DB0C4FB307}" type="slidenum">
+            <a:fld id="{9EACA4F7-2C0B-46BA-8096-236531A7BB63}" type="slidenum">
               <a:rPr lang="zh-CN" altLang="en-US" smtClean="0"/>
               <a:t>‹#›</a:t>
             </a:fld>
@@ -723,7 +723,7 @@
     </p:spTree>
     <p:extLst>
       <p:ext uri="{BB962C8B-B14F-4D97-AF65-F5344CB8AC3E}">
-        <p14:creationId xmlns:p14="http://schemas.microsoft.com/office/powerpoint/2010/main" val="2091518771"/>
+        <p14:creationId xmlns:p14="http://schemas.microsoft.com/office/powerpoint/2010/main" val="3499111480"/>
       </p:ext>
     </p:extLst>
   </p:cSld>
@@ -755,7 +755,7 @@
           <p:cNvPr id="2" name="标题 1">
             <a:extLst>
               <a:ext uri="{FF2B5EF4-FFF2-40B4-BE49-F238E27FC236}">
-                <a16:creationId xmlns:a16="http://schemas.microsoft.com/office/drawing/2014/main" id="{12BC27E8-C409-10D4-D2D3-8DCE69561E02}"/>
+                <a16:creationId xmlns:a16="http://schemas.microsoft.com/office/drawing/2014/main" id="{A9B1A8EA-D928-8834-A634-E807EECD6BB4}"/>
               </a:ext>
             </a:extLst>
           </p:cNvPr>
@@ -783,7 +783,7 @@
           <p:cNvPr id="3" name="内容占位符 2">
             <a:extLst>
               <a:ext uri="{FF2B5EF4-FFF2-40B4-BE49-F238E27FC236}">
-                <a16:creationId xmlns:a16="http://schemas.microsoft.com/office/drawing/2014/main" id="{101F1808-B5A0-9F89-77EA-75602DDADF47}"/>
+                <a16:creationId xmlns:a16="http://schemas.microsoft.com/office/drawing/2014/main" id="{21AB62D4-1888-1496-6DA3-712AC037842A}"/>
               </a:ext>
             </a:extLst>
           </p:cNvPr>
@@ -840,7 +840,7 @@
           <p:cNvPr id="4" name="日期占位符 3">
             <a:extLst>
               <a:ext uri="{FF2B5EF4-FFF2-40B4-BE49-F238E27FC236}">
-                <a16:creationId xmlns:a16="http://schemas.microsoft.com/office/drawing/2014/main" id="{1BE735F3-B8DE-87DD-281B-AADC18CDC5B9}"/>
+                <a16:creationId xmlns:a16="http://schemas.microsoft.com/office/drawing/2014/main" id="{472D7D10-ADF0-A7C2-1A79-2A307BF21542}"/>
               </a:ext>
             </a:extLst>
           </p:cNvPr>
@@ -856,7 +856,7 @@
           <a:bodyPr/>
           <a:lstStyle/>
           <a:p>
-            <a:fld id="{77524105-CCA7-4F82-85BA-E4A4A9032DF5}" type="datetimeFigureOut">
+            <a:fld id="{A53F50BC-A092-4EB4-8B95-9C89A0715BB9}" type="datetimeFigureOut">
               <a:rPr lang="zh-CN" altLang="en-US" smtClean="0"/>
               <a:t>2024/3/10</a:t>
             </a:fld>
@@ -869,7 +869,7 @@
           <p:cNvPr id="5" name="页脚占位符 4">
             <a:extLst>
               <a:ext uri="{FF2B5EF4-FFF2-40B4-BE49-F238E27FC236}">
-                <a16:creationId xmlns:a16="http://schemas.microsoft.com/office/drawing/2014/main" id="{0F02EAB7-5C95-C67A-FAA9-DF9B0CBA12D6}"/>
+                <a16:creationId xmlns:a16="http://schemas.microsoft.com/office/drawing/2014/main" id="{92859CD7-4841-9DA3-5ED1-1A473C66EAE7}"/>
               </a:ext>
             </a:extLst>
           </p:cNvPr>
@@ -894,7 +894,7 @@
           <p:cNvPr id="6" name="灯片编号占位符 5">
             <a:extLst>
               <a:ext uri="{FF2B5EF4-FFF2-40B4-BE49-F238E27FC236}">
-                <a16:creationId xmlns:a16="http://schemas.microsoft.com/office/drawing/2014/main" id="{4358E0B9-A047-BD20-4FF1-E5A3B59CA013}"/>
+                <a16:creationId xmlns:a16="http://schemas.microsoft.com/office/drawing/2014/main" id="{6D801758-7E24-2AA8-F8E1-718BB755D224}"/>
               </a:ext>
             </a:extLst>
           </p:cNvPr>
@@ -910,7 +910,7 @@
           <a:bodyPr/>
           <a:lstStyle/>
           <a:p>
-            <a:fld id="{029CE5B6-3EF2-4993-9C8D-F3DB0C4FB307}" type="slidenum">
+            <a:fld id="{9EACA4F7-2C0B-46BA-8096-236531A7BB63}" type="slidenum">
               <a:rPr lang="zh-CN" altLang="en-US" smtClean="0"/>
               <a:t>‹#›</a:t>
             </a:fld>
@@ -921,7 +921,7 @@
     </p:spTree>
     <p:extLst>
       <p:ext uri="{BB962C8B-B14F-4D97-AF65-F5344CB8AC3E}">
-        <p14:creationId xmlns:p14="http://schemas.microsoft.com/office/powerpoint/2010/main" val="2881314912"/>
+        <p14:creationId xmlns:p14="http://schemas.microsoft.com/office/powerpoint/2010/main" val="1046388601"/>
       </p:ext>
     </p:extLst>
   </p:cSld>
@@ -953,7 +953,7 @@
           <p:cNvPr id="2" name="标题 1">
             <a:extLst>
               <a:ext uri="{FF2B5EF4-FFF2-40B4-BE49-F238E27FC236}">
-                <a16:creationId xmlns:a16="http://schemas.microsoft.com/office/drawing/2014/main" id="{AC7CAA98-4EEA-5B79-FF69-AE487D4487FC}"/>
+                <a16:creationId xmlns:a16="http://schemas.microsoft.com/office/drawing/2014/main" id="{7A22E3E7-B79C-F68F-454C-2FCB81E9645E}"/>
               </a:ext>
             </a:extLst>
           </p:cNvPr>
@@ -990,7 +990,7 @@
           <p:cNvPr id="3" name="文本占位符 2">
             <a:extLst>
               <a:ext uri="{FF2B5EF4-FFF2-40B4-BE49-F238E27FC236}">
-                <a16:creationId xmlns:a16="http://schemas.microsoft.com/office/drawing/2014/main" id="{1D9F6965-326B-1EF4-66BB-E401CF962567}"/>
+                <a16:creationId xmlns:a16="http://schemas.microsoft.com/office/drawing/2014/main" id="{5B2230EF-8A8B-0E9C-B257-87D2933AFEA9}"/>
               </a:ext>
             </a:extLst>
           </p:cNvPr>
@@ -1115,7 +1115,7 @@
           <p:cNvPr id="4" name="日期占位符 3">
             <a:extLst>
               <a:ext uri="{FF2B5EF4-FFF2-40B4-BE49-F238E27FC236}">
-                <a16:creationId xmlns:a16="http://schemas.microsoft.com/office/drawing/2014/main" id="{5E060C11-D5EE-2C18-3AD1-A89BFA4FEA45}"/>
+                <a16:creationId xmlns:a16="http://schemas.microsoft.com/office/drawing/2014/main" id="{1FCF67AD-50DB-E228-2AFB-F3B1E8B20C23}"/>
               </a:ext>
             </a:extLst>
           </p:cNvPr>
@@ -1131,7 +1131,7 @@
           <a:bodyPr/>
           <a:lstStyle/>
           <a:p>
-            <a:fld id="{77524105-CCA7-4F82-85BA-E4A4A9032DF5}" type="datetimeFigureOut">
+            <a:fld id="{A53F50BC-A092-4EB4-8B95-9C89A0715BB9}" type="datetimeFigureOut">
               <a:rPr lang="zh-CN" altLang="en-US" smtClean="0"/>
               <a:t>2024/3/10</a:t>
             </a:fld>
@@ -1144,7 +1144,7 @@
           <p:cNvPr id="5" name="页脚占位符 4">
             <a:extLst>
               <a:ext uri="{FF2B5EF4-FFF2-40B4-BE49-F238E27FC236}">
-                <a16:creationId xmlns:a16="http://schemas.microsoft.com/office/drawing/2014/main" id="{54113867-56B1-372D-9F67-C63C1BC97199}"/>
+                <a16:creationId xmlns:a16="http://schemas.microsoft.com/office/drawing/2014/main" id="{2FC01462-C270-724E-60F5-CAAE0B3ED888}"/>
               </a:ext>
             </a:extLst>
           </p:cNvPr>
@@ -1169,7 +1169,7 @@
           <p:cNvPr id="6" name="灯片编号占位符 5">
             <a:extLst>
               <a:ext uri="{FF2B5EF4-FFF2-40B4-BE49-F238E27FC236}">
-                <a16:creationId xmlns:a16="http://schemas.microsoft.com/office/drawing/2014/main" id="{D330C188-289E-3272-18D1-200B4B960A36}"/>
+                <a16:creationId xmlns:a16="http://schemas.microsoft.com/office/drawing/2014/main" id="{7C826D11-8A17-23F3-7575-E5E06E99FABE}"/>
               </a:ext>
             </a:extLst>
           </p:cNvPr>
@@ -1185,7 +1185,7 @@
           <a:bodyPr/>
           <a:lstStyle/>
           <a:p>
-            <a:fld id="{029CE5B6-3EF2-4993-9C8D-F3DB0C4FB307}" type="slidenum">
+            <a:fld id="{9EACA4F7-2C0B-46BA-8096-236531A7BB63}" type="slidenum">
               <a:rPr lang="zh-CN" altLang="en-US" smtClean="0"/>
               <a:t>‹#›</a:t>
             </a:fld>
@@ -1196,7 +1196,7 @@
     </p:spTree>
     <p:extLst>
       <p:ext uri="{BB962C8B-B14F-4D97-AF65-F5344CB8AC3E}">
-        <p14:creationId xmlns:p14="http://schemas.microsoft.com/office/powerpoint/2010/main" val="3816735293"/>
+        <p14:creationId xmlns:p14="http://schemas.microsoft.com/office/powerpoint/2010/main" val="3603537522"/>
       </p:ext>
     </p:extLst>
   </p:cSld>
@@ -1228,7 +1228,7 @@
           <p:cNvPr id="2" name="标题 1">
             <a:extLst>
               <a:ext uri="{FF2B5EF4-FFF2-40B4-BE49-F238E27FC236}">
-                <a16:creationId xmlns:a16="http://schemas.microsoft.com/office/drawing/2014/main" id="{28441456-FB0A-59DB-9824-24D4398C4E12}"/>
+                <a16:creationId xmlns:a16="http://schemas.microsoft.com/office/drawing/2014/main" id="{8A1F3D0B-67A4-8C87-E618-924C428AB259}"/>
               </a:ext>
             </a:extLst>
           </p:cNvPr>
@@ -1256,7 +1256,7 @@
           <p:cNvPr id="3" name="内容占位符 2">
             <a:extLst>
               <a:ext uri="{FF2B5EF4-FFF2-40B4-BE49-F238E27FC236}">
-                <a16:creationId xmlns:a16="http://schemas.microsoft.com/office/drawing/2014/main" id="{FB934004-242C-1510-D3CC-9704C2EAB9FF}"/>
+                <a16:creationId xmlns:a16="http://schemas.microsoft.com/office/drawing/2014/main" id="{F43869FC-8D44-B204-693C-D85F9EB0B9F9}"/>
               </a:ext>
             </a:extLst>
           </p:cNvPr>
@@ -1318,7 +1318,7 @@
           <p:cNvPr id="4" name="内容占位符 3">
             <a:extLst>
               <a:ext uri="{FF2B5EF4-FFF2-40B4-BE49-F238E27FC236}">
-                <a16:creationId xmlns:a16="http://schemas.microsoft.com/office/drawing/2014/main" id="{0FFC8FCB-CE72-018C-512A-18CC4AADD818}"/>
+                <a16:creationId xmlns:a16="http://schemas.microsoft.com/office/drawing/2014/main" id="{AF816C3F-AA31-A6AD-D242-4E9002A86817}"/>
               </a:ext>
             </a:extLst>
           </p:cNvPr>
@@ -1380,7 +1380,7 @@
           <p:cNvPr id="5" name="日期占位符 4">
             <a:extLst>
               <a:ext uri="{FF2B5EF4-FFF2-40B4-BE49-F238E27FC236}">
-                <a16:creationId xmlns:a16="http://schemas.microsoft.com/office/drawing/2014/main" id="{33A47C80-5F8D-EF25-1F3B-FFED4418742F}"/>
+                <a16:creationId xmlns:a16="http://schemas.microsoft.com/office/drawing/2014/main" id="{556D4017-8B1E-33C4-ED48-1F845F975F52}"/>
               </a:ext>
             </a:extLst>
           </p:cNvPr>
@@ -1396,7 +1396,7 @@
           <a:bodyPr/>
           <a:lstStyle/>
           <a:p>
-            <a:fld id="{77524105-CCA7-4F82-85BA-E4A4A9032DF5}" type="datetimeFigureOut">
+            <a:fld id="{A53F50BC-A092-4EB4-8B95-9C89A0715BB9}" type="datetimeFigureOut">
               <a:rPr lang="zh-CN" altLang="en-US" smtClean="0"/>
               <a:t>2024/3/10</a:t>
             </a:fld>
@@ -1409,7 +1409,7 @@
           <p:cNvPr id="6" name="页脚占位符 5">
             <a:extLst>
               <a:ext uri="{FF2B5EF4-FFF2-40B4-BE49-F238E27FC236}">
-                <a16:creationId xmlns:a16="http://schemas.microsoft.com/office/drawing/2014/main" id="{D43FEDF2-5815-FFC9-2BAB-C9231ABAB61D}"/>
+                <a16:creationId xmlns:a16="http://schemas.microsoft.com/office/drawing/2014/main" id="{D210ED73-5F1E-CC16-A28B-129857F83A9C}"/>
               </a:ext>
             </a:extLst>
           </p:cNvPr>
@@ -1434,7 +1434,7 @@
           <p:cNvPr id="7" name="灯片编号占位符 6">
             <a:extLst>
               <a:ext uri="{FF2B5EF4-FFF2-40B4-BE49-F238E27FC236}">
-                <a16:creationId xmlns:a16="http://schemas.microsoft.com/office/drawing/2014/main" id="{4ADEF754-0400-9DA9-2076-EAB1FFA7470D}"/>
+                <a16:creationId xmlns:a16="http://schemas.microsoft.com/office/drawing/2014/main" id="{C3BB59AD-7CC1-10FD-F756-6F0B39D4BF9D}"/>
               </a:ext>
             </a:extLst>
           </p:cNvPr>
@@ -1450,7 +1450,7 @@
           <a:bodyPr/>
           <a:lstStyle/>
           <a:p>
-            <a:fld id="{029CE5B6-3EF2-4993-9C8D-F3DB0C4FB307}" type="slidenum">
+            <a:fld id="{9EACA4F7-2C0B-46BA-8096-236531A7BB63}" type="slidenum">
               <a:rPr lang="zh-CN" altLang="en-US" smtClean="0"/>
               <a:t>‹#›</a:t>
             </a:fld>
@@ -1461,7 +1461,7 @@
     </p:spTree>
     <p:extLst>
       <p:ext uri="{BB962C8B-B14F-4D97-AF65-F5344CB8AC3E}">
-        <p14:creationId xmlns:p14="http://schemas.microsoft.com/office/powerpoint/2010/main" val="188349191"/>
+        <p14:creationId xmlns:p14="http://schemas.microsoft.com/office/powerpoint/2010/main" val="3863869498"/>
       </p:ext>
     </p:extLst>
   </p:cSld>
@@ -1493,7 +1493,7 @@
           <p:cNvPr id="2" name="标题 1">
             <a:extLst>
               <a:ext uri="{FF2B5EF4-FFF2-40B4-BE49-F238E27FC236}">
-                <a16:creationId xmlns:a16="http://schemas.microsoft.com/office/drawing/2014/main" id="{95A87049-2D21-BF7B-E942-D8D685F9E36B}"/>
+                <a16:creationId xmlns:a16="http://schemas.microsoft.com/office/drawing/2014/main" id="{FF712E33-69C1-6D8D-02B7-D0EDE7138887}"/>
               </a:ext>
             </a:extLst>
           </p:cNvPr>
@@ -1526,7 +1526,7 @@
           <p:cNvPr id="3" name="文本占位符 2">
             <a:extLst>
               <a:ext uri="{FF2B5EF4-FFF2-40B4-BE49-F238E27FC236}">
-                <a16:creationId xmlns:a16="http://schemas.microsoft.com/office/drawing/2014/main" id="{555BB493-DE04-C245-EC88-A96FAEBBD358}"/>
+                <a16:creationId xmlns:a16="http://schemas.microsoft.com/office/drawing/2014/main" id="{3BBE212F-0EEF-0A26-130E-C0664E84FCAA}"/>
               </a:ext>
             </a:extLst>
           </p:cNvPr>
@@ -1597,7 +1597,7 @@
           <p:cNvPr id="4" name="内容占位符 3">
             <a:extLst>
               <a:ext uri="{FF2B5EF4-FFF2-40B4-BE49-F238E27FC236}">
-                <a16:creationId xmlns:a16="http://schemas.microsoft.com/office/drawing/2014/main" id="{E2A4F1EC-1521-2A96-B08B-8A8CC6D28B57}"/>
+                <a16:creationId xmlns:a16="http://schemas.microsoft.com/office/drawing/2014/main" id="{FB8635BB-1EF6-CEEC-1406-48BAF53A8474}"/>
               </a:ext>
             </a:extLst>
           </p:cNvPr>
@@ -1659,7 +1659,7 @@
           <p:cNvPr id="5" name="文本占位符 4">
             <a:extLst>
               <a:ext uri="{FF2B5EF4-FFF2-40B4-BE49-F238E27FC236}">
-                <a16:creationId xmlns:a16="http://schemas.microsoft.com/office/drawing/2014/main" id="{2EAFB5EB-66B6-8BBA-2354-FE2847F782D5}"/>
+                <a16:creationId xmlns:a16="http://schemas.microsoft.com/office/drawing/2014/main" id="{B3FA26BF-A86D-8306-E7DA-EB17DAE1F38C}"/>
               </a:ext>
             </a:extLst>
           </p:cNvPr>
@@ -1730,7 +1730,7 @@
           <p:cNvPr id="6" name="内容占位符 5">
             <a:extLst>
               <a:ext uri="{FF2B5EF4-FFF2-40B4-BE49-F238E27FC236}">
-                <a16:creationId xmlns:a16="http://schemas.microsoft.com/office/drawing/2014/main" id="{360942A3-7394-CC4A-7CF8-54E9379E8483}"/>
+                <a16:creationId xmlns:a16="http://schemas.microsoft.com/office/drawing/2014/main" id="{52EE9338-6339-695F-EDC0-6E55FC8D9526}"/>
               </a:ext>
             </a:extLst>
           </p:cNvPr>
@@ -1792,7 +1792,7 @@
           <p:cNvPr id="7" name="日期占位符 6">
             <a:extLst>
               <a:ext uri="{FF2B5EF4-FFF2-40B4-BE49-F238E27FC236}">
-                <a16:creationId xmlns:a16="http://schemas.microsoft.com/office/drawing/2014/main" id="{8C50A663-42C5-98B1-17C8-16158F640AAA}"/>
+                <a16:creationId xmlns:a16="http://schemas.microsoft.com/office/drawing/2014/main" id="{372F9FD6-FA7F-31D6-00D5-612161A66B79}"/>
               </a:ext>
             </a:extLst>
           </p:cNvPr>
@@ -1808,7 +1808,7 @@
           <a:bodyPr/>
           <a:lstStyle/>
           <a:p>
-            <a:fld id="{77524105-CCA7-4F82-85BA-E4A4A9032DF5}" type="datetimeFigureOut">
+            <a:fld id="{A53F50BC-A092-4EB4-8B95-9C89A0715BB9}" type="datetimeFigureOut">
               <a:rPr lang="zh-CN" altLang="en-US" smtClean="0"/>
               <a:t>2024/3/10</a:t>
             </a:fld>
@@ -1821,7 +1821,7 @@
           <p:cNvPr id="8" name="页脚占位符 7">
             <a:extLst>
               <a:ext uri="{FF2B5EF4-FFF2-40B4-BE49-F238E27FC236}">
-                <a16:creationId xmlns:a16="http://schemas.microsoft.com/office/drawing/2014/main" id="{1BA35B96-82FC-CA34-EA22-58B096926631}"/>
+                <a16:creationId xmlns:a16="http://schemas.microsoft.com/office/drawing/2014/main" id="{D575E0F0-86A5-C651-AC81-6C5C90DFEC99}"/>
               </a:ext>
             </a:extLst>
           </p:cNvPr>
@@ -1846,7 +1846,7 @@
           <p:cNvPr id="9" name="灯片编号占位符 8">
             <a:extLst>
               <a:ext uri="{FF2B5EF4-FFF2-40B4-BE49-F238E27FC236}">
-                <a16:creationId xmlns:a16="http://schemas.microsoft.com/office/drawing/2014/main" id="{34FB8CD3-1943-71BA-A3A5-371D0D8D38EA}"/>
+                <a16:creationId xmlns:a16="http://schemas.microsoft.com/office/drawing/2014/main" id="{C2529825-B573-A10D-FFD6-8BCAD5B043FD}"/>
               </a:ext>
             </a:extLst>
           </p:cNvPr>
@@ -1862,7 +1862,7 @@
           <a:bodyPr/>
           <a:lstStyle/>
           <a:p>
-            <a:fld id="{029CE5B6-3EF2-4993-9C8D-F3DB0C4FB307}" type="slidenum">
+            <a:fld id="{9EACA4F7-2C0B-46BA-8096-236531A7BB63}" type="slidenum">
               <a:rPr lang="zh-CN" altLang="en-US" smtClean="0"/>
               <a:t>‹#›</a:t>
             </a:fld>
@@ -1873,7 +1873,7 @@
     </p:spTree>
     <p:extLst>
       <p:ext uri="{BB962C8B-B14F-4D97-AF65-F5344CB8AC3E}">
-        <p14:creationId xmlns:p14="http://schemas.microsoft.com/office/powerpoint/2010/main" val="1422348422"/>
+        <p14:creationId xmlns:p14="http://schemas.microsoft.com/office/powerpoint/2010/main" val="2171529474"/>
       </p:ext>
     </p:extLst>
   </p:cSld>
@@ -1905,7 +1905,7 @@
           <p:cNvPr id="2" name="标题 1">
             <a:extLst>
               <a:ext uri="{FF2B5EF4-FFF2-40B4-BE49-F238E27FC236}">
-                <a16:creationId xmlns:a16="http://schemas.microsoft.com/office/drawing/2014/main" id="{7195ACD6-7286-95E7-F1D2-9F16B65B7848}"/>
+                <a16:creationId xmlns:a16="http://schemas.microsoft.com/office/drawing/2014/main" id="{988D6E10-85EC-A3CB-3A5F-FD120066C0B5}"/>
               </a:ext>
             </a:extLst>
           </p:cNvPr>
@@ -1933,7 +1933,7 @@
           <p:cNvPr id="3" name="日期占位符 2">
             <a:extLst>
               <a:ext uri="{FF2B5EF4-FFF2-40B4-BE49-F238E27FC236}">
-                <a16:creationId xmlns:a16="http://schemas.microsoft.com/office/drawing/2014/main" id="{DE7B6D1A-0696-B061-437E-866B1776FC57}"/>
+                <a16:creationId xmlns:a16="http://schemas.microsoft.com/office/drawing/2014/main" id="{643DA76D-D56D-AE41-5FF7-25538D738F08}"/>
               </a:ext>
             </a:extLst>
           </p:cNvPr>
@@ -1949,7 +1949,7 @@
           <a:bodyPr/>
           <a:lstStyle/>
           <a:p>
-            <a:fld id="{77524105-CCA7-4F82-85BA-E4A4A9032DF5}" type="datetimeFigureOut">
+            <a:fld id="{A53F50BC-A092-4EB4-8B95-9C89A0715BB9}" type="datetimeFigureOut">
               <a:rPr lang="zh-CN" altLang="en-US" smtClean="0"/>
               <a:t>2024/3/10</a:t>
             </a:fld>
@@ -1962,7 +1962,7 @@
           <p:cNvPr id="4" name="页脚占位符 3">
             <a:extLst>
               <a:ext uri="{FF2B5EF4-FFF2-40B4-BE49-F238E27FC236}">
-                <a16:creationId xmlns:a16="http://schemas.microsoft.com/office/drawing/2014/main" id="{AB7B080C-7CF1-FA76-D55D-3422D03AF54A}"/>
+                <a16:creationId xmlns:a16="http://schemas.microsoft.com/office/drawing/2014/main" id="{77E680BC-5F13-5A61-1E34-28ADD0CDB8A7}"/>
               </a:ext>
             </a:extLst>
           </p:cNvPr>
@@ -1987,7 +1987,7 @@
           <p:cNvPr id="5" name="灯片编号占位符 4">
             <a:extLst>
               <a:ext uri="{FF2B5EF4-FFF2-40B4-BE49-F238E27FC236}">
-                <a16:creationId xmlns:a16="http://schemas.microsoft.com/office/drawing/2014/main" id="{578C15A1-B2B0-240F-5D69-EAAE9FD26E26}"/>
+                <a16:creationId xmlns:a16="http://schemas.microsoft.com/office/drawing/2014/main" id="{36FB7047-8557-3862-FC64-9AF7B2185A36}"/>
               </a:ext>
             </a:extLst>
           </p:cNvPr>
@@ -2003,7 +2003,7 @@
           <a:bodyPr/>
           <a:lstStyle/>
           <a:p>
-            <a:fld id="{029CE5B6-3EF2-4993-9C8D-F3DB0C4FB307}" type="slidenum">
+            <a:fld id="{9EACA4F7-2C0B-46BA-8096-236531A7BB63}" type="slidenum">
               <a:rPr lang="zh-CN" altLang="en-US" smtClean="0"/>
               <a:t>‹#›</a:t>
             </a:fld>
@@ -2014,7 +2014,7 @@
     </p:spTree>
     <p:extLst>
       <p:ext uri="{BB962C8B-B14F-4D97-AF65-F5344CB8AC3E}">
-        <p14:creationId xmlns:p14="http://schemas.microsoft.com/office/powerpoint/2010/main" val="1360811052"/>
+        <p14:creationId xmlns:p14="http://schemas.microsoft.com/office/powerpoint/2010/main" val="1921603788"/>
       </p:ext>
     </p:extLst>
   </p:cSld>
@@ -2046,7 +2046,7 @@
           <p:cNvPr id="2" name="日期占位符 1">
             <a:extLst>
               <a:ext uri="{FF2B5EF4-FFF2-40B4-BE49-F238E27FC236}">
-                <a16:creationId xmlns:a16="http://schemas.microsoft.com/office/drawing/2014/main" id="{A3FE42C3-AD3F-6194-F276-3E43CD2E78F0}"/>
+                <a16:creationId xmlns:a16="http://schemas.microsoft.com/office/drawing/2014/main" id="{C05C3E63-DB7F-A50C-9EEE-BC9F1ACE8095}"/>
               </a:ext>
             </a:extLst>
           </p:cNvPr>
@@ -2062,7 +2062,7 @@
           <a:bodyPr/>
           <a:lstStyle/>
           <a:p>
-            <a:fld id="{77524105-CCA7-4F82-85BA-E4A4A9032DF5}" type="datetimeFigureOut">
+            <a:fld id="{A53F50BC-A092-4EB4-8B95-9C89A0715BB9}" type="datetimeFigureOut">
               <a:rPr lang="zh-CN" altLang="en-US" smtClean="0"/>
               <a:t>2024/3/10</a:t>
             </a:fld>
@@ -2075,7 +2075,7 @@
           <p:cNvPr id="3" name="页脚占位符 2">
             <a:extLst>
               <a:ext uri="{FF2B5EF4-FFF2-40B4-BE49-F238E27FC236}">
-                <a16:creationId xmlns:a16="http://schemas.microsoft.com/office/drawing/2014/main" id="{1B9CDA39-0B7B-299D-328E-460E44F6CDC9}"/>
+                <a16:creationId xmlns:a16="http://schemas.microsoft.com/office/drawing/2014/main" id="{0EB4D35C-44C3-C17A-F23E-23B0757A2DC9}"/>
               </a:ext>
             </a:extLst>
           </p:cNvPr>
@@ -2100,7 +2100,7 @@
           <p:cNvPr id="4" name="灯片编号占位符 3">
             <a:extLst>
               <a:ext uri="{FF2B5EF4-FFF2-40B4-BE49-F238E27FC236}">
-                <a16:creationId xmlns:a16="http://schemas.microsoft.com/office/drawing/2014/main" id="{B5E4A5AD-6352-84E3-372E-EDDEA09CB17D}"/>
+                <a16:creationId xmlns:a16="http://schemas.microsoft.com/office/drawing/2014/main" id="{8062F3A6-B5CA-2C35-5128-488B1A6B9C07}"/>
               </a:ext>
             </a:extLst>
           </p:cNvPr>
@@ -2116,7 +2116,7 @@
           <a:bodyPr/>
           <a:lstStyle/>
           <a:p>
-            <a:fld id="{029CE5B6-3EF2-4993-9C8D-F3DB0C4FB307}" type="slidenum">
+            <a:fld id="{9EACA4F7-2C0B-46BA-8096-236531A7BB63}" type="slidenum">
               <a:rPr lang="zh-CN" altLang="en-US" smtClean="0"/>
               <a:t>‹#›</a:t>
             </a:fld>
@@ -2127,7 +2127,7 @@
     </p:spTree>
     <p:extLst>
       <p:ext uri="{BB962C8B-B14F-4D97-AF65-F5344CB8AC3E}">
-        <p14:creationId xmlns:p14="http://schemas.microsoft.com/office/powerpoint/2010/main" val="3047387355"/>
+        <p14:creationId xmlns:p14="http://schemas.microsoft.com/office/powerpoint/2010/main" val="3567388925"/>
       </p:ext>
     </p:extLst>
   </p:cSld>
@@ -2159,7 +2159,7 @@
           <p:cNvPr id="2" name="标题 1">
             <a:extLst>
               <a:ext uri="{FF2B5EF4-FFF2-40B4-BE49-F238E27FC236}">
-                <a16:creationId xmlns:a16="http://schemas.microsoft.com/office/drawing/2014/main" id="{47319DFD-61B2-BF11-6AF2-9E199557B721}"/>
+                <a16:creationId xmlns:a16="http://schemas.microsoft.com/office/drawing/2014/main" id="{403E64FD-FB82-8DF3-236D-E06CFB87B8DD}"/>
               </a:ext>
             </a:extLst>
           </p:cNvPr>
@@ -2196,7 +2196,7 @@
           <p:cNvPr id="3" name="内容占位符 2">
             <a:extLst>
               <a:ext uri="{FF2B5EF4-FFF2-40B4-BE49-F238E27FC236}">
-                <a16:creationId xmlns:a16="http://schemas.microsoft.com/office/drawing/2014/main" id="{B1716919-CD39-C9AD-7903-EB6CF4D46A0A}"/>
+                <a16:creationId xmlns:a16="http://schemas.microsoft.com/office/drawing/2014/main" id="{94763B0E-52C0-6C83-26A4-6DE070A3DB9E}"/>
               </a:ext>
             </a:extLst>
           </p:cNvPr>
@@ -2286,7 +2286,7 @@
           <p:cNvPr id="4" name="文本占位符 3">
             <a:extLst>
               <a:ext uri="{FF2B5EF4-FFF2-40B4-BE49-F238E27FC236}">
-                <a16:creationId xmlns:a16="http://schemas.microsoft.com/office/drawing/2014/main" id="{F4CADB14-971B-4849-1C9B-BA85C673DB1D}"/>
+                <a16:creationId xmlns:a16="http://schemas.microsoft.com/office/drawing/2014/main" id="{5B6E4185-9C97-FF91-0035-740DB48FBCEE}"/>
               </a:ext>
             </a:extLst>
           </p:cNvPr>
@@ -2357,7 +2357,7 @@
           <p:cNvPr id="5" name="日期占位符 4">
             <a:extLst>
               <a:ext uri="{FF2B5EF4-FFF2-40B4-BE49-F238E27FC236}">
-                <a16:creationId xmlns:a16="http://schemas.microsoft.com/office/drawing/2014/main" id="{7768C45E-A90E-C986-062E-FA77BC56F2F2}"/>
+                <a16:creationId xmlns:a16="http://schemas.microsoft.com/office/drawing/2014/main" id="{F5BD02A9-4229-497E-FE67-8AAFA228164E}"/>
               </a:ext>
             </a:extLst>
           </p:cNvPr>
@@ -2373,7 +2373,7 @@
           <a:bodyPr/>
           <a:lstStyle/>
           <a:p>
-            <a:fld id="{77524105-CCA7-4F82-85BA-E4A4A9032DF5}" type="datetimeFigureOut">
+            <a:fld id="{A53F50BC-A092-4EB4-8B95-9C89A0715BB9}" type="datetimeFigureOut">
               <a:rPr lang="zh-CN" altLang="en-US" smtClean="0"/>
               <a:t>2024/3/10</a:t>
             </a:fld>
@@ -2386,7 +2386,7 @@
           <p:cNvPr id="6" name="页脚占位符 5">
             <a:extLst>
               <a:ext uri="{FF2B5EF4-FFF2-40B4-BE49-F238E27FC236}">
-                <a16:creationId xmlns:a16="http://schemas.microsoft.com/office/drawing/2014/main" id="{1619DA37-E61D-81FA-2705-02684B25743C}"/>
+                <a16:creationId xmlns:a16="http://schemas.microsoft.com/office/drawing/2014/main" id="{4C51BF84-2E60-2F38-06EE-E158CE619507}"/>
               </a:ext>
             </a:extLst>
           </p:cNvPr>
@@ -2411,7 +2411,7 @@
           <p:cNvPr id="7" name="灯片编号占位符 6">
             <a:extLst>
               <a:ext uri="{FF2B5EF4-FFF2-40B4-BE49-F238E27FC236}">
-                <a16:creationId xmlns:a16="http://schemas.microsoft.com/office/drawing/2014/main" id="{326D1475-6B92-4651-5B3D-A49CCD106EAC}"/>
+                <a16:creationId xmlns:a16="http://schemas.microsoft.com/office/drawing/2014/main" id="{37495282-9C9A-C1D7-5AA4-5E41615A98A8}"/>
               </a:ext>
             </a:extLst>
           </p:cNvPr>
@@ -2427,7 +2427,7 @@
           <a:bodyPr/>
           <a:lstStyle/>
           <a:p>
-            <a:fld id="{029CE5B6-3EF2-4993-9C8D-F3DB0C4FB307}" type="slidenum">
+            <a:fld id="{9EACA4F7-2C0B-46BA-8096-236531A7BB63}" type="slidenum">
               <a:rPr lang="zh-CN" altLang="en-US" smtClean="0"/>
               <a:t>‹#›</a:t>
             </a:fld>
@@ -2438,7 +2438,7 @@
     </p:spTree>
     <p:extLst>
       <p:ext uri="{BB962C8B-B14F-4D97-AF65-F5344CB8AC3E}">
-        <p14:creationId xmlns:p14="http://schemas.microsoft.com/office/powerpoint/2010/main" val="807800573"/>
+        <p14:creationId xmlns:p14="http://schemas.microsoft.com/office/powerpoint/2010/main" val="256574963"/>
       </p:ext>
     </p:extLst>
   </p:cSld>
@@ -2470,7 +2470,7 @@
           <p:cNvPr id="2" name="标题 1">
             <a:extLst>
               <a:ext uri="{FF2B5EF4-FFF2-40B4-BE49-F238E27FC236}">
-                <a16:creationId xmlns:a16="http://schemas.microsoft.com/office/drawing/2014/main" id="{424602BF-DFE0-08AC-883E-83093B78BED3}"/>
+                <a16:creationId xmlns:a16="http://schemas.microsoft.com/office/drawing/2014/main" id="{0F1E1912-55C7-C460-3857-958BECE36126}"/>
               </a:ext>
             </a:extLst>
           </p:cNvPr>
@@ -2507,7 +2507,7 @@
           <p:cNvPr id="3" name="图片占位符 2">
             <a:extLst>
               <a:ext uri="{FF2B5EF4-FFF2-40B4-BE49-F238E27FC236}">
-                <a16:creationId xmlns:a16="http://schemas.microsoft.com/office/drawing/2014/main" id="{C10F8C43-FC07-93C8-B11D-DFB214912758}"/>
+                <a16:creationId xmlns:a16="http://schemas.microsoft.com/office/drawing/2014/main" id="{E8079337-020C-3864-9CF1-931F77937D06}"/>
               </a:ext>
             </a:extLst>
           </p:cNvPr>
@@ -2574,7 +2574,7 @@
           <p:cNvPr id="4" name="文本占位符 3">
             <a:extLst>
               <a:ext uri="{FF2B5EF4-FFF2-40B4-BE49-F238E27FC236}">
-                <a16:creationId xmlns:a16="http://schemas.microsoft.com/office/drawing/2014/main" id="{607F0984-92D7-1101-D9C5-A57AAED2921E}"/>
+                <a16:creationId xmlns:a16="http://schemas.microsoft.com/office/drawing/2014/main" id="{E2051911-EFE7-3D47-F4DC-4CCE07AD2A2B}"/>
               </a:ext>
             </a:extLst>
           </p:cNvPr>
@@ -2645,7 +2645,7 @@
           <p:cNvPr id="5" name="日期占位符 4">
             <a:extLst>
               <a:ext uri="{FF2B5EF4-FFF2-40B4-BE49-F238E27FC236}">
-                <a16:creationId xmlns:a16="http://schemas.microsoft.com/office/drawing/2014/main" id="{47D31FBF-AAFD-816A-BBE8-C12994D7E2DB}"/>
+                <a16:creationId xmlns:a16="http://schemas.microsoft.com/office/drawing/2014/main" id="{B99045F6-B8D7-CCD0-B055-7E220D1B739D}"/>
               </a:ext>
             </a:extLst>
           </p:cNvPr>
@@ -2661,7 +2661,7 @@
           <a:bodyPr/>
           <a:lstStyle/>
           <a:p>
-            <a:fld id="{77524105-CCA7-4F82-85BA-E4A4A9032DF5}" type="datetimeFigureOut">
+            <a:fld id="{A53F50BC-A092-4EB4-8B95-9C89A0715BB9}" type="datetimeFigureOut">
               <a:rPr lang="zh-CN" altLang="en-US" smtClean="0"/>
               <a:t>2024/3/10</a:t>
             </a:fld>
@@ -2674,7 +2674,7 @@
           <p:cNvPr id="6" name="页脚占位符 5">
             <a:extLst>
               <a:ext uri="{FF2B5EF4-FFF2-40B4-BE49-F238E27FC236}">
-                <a16:creationId xmlns:a16="http://schemas.microsoft.com/office/drawing/2014/main" id="{902972F3-808B-FED0-F89E-1C115678B3EA}"/>
+                <a16:creationId xmlns:a16="http://schemas.microsoft.com/office/drawing/2014/main" id="{0EA2D05F-EC6E-A62A-196D-FDF5801430D5}"/>
               </a:ext>
             </a:extLst>
           </p:cNvPr>
@@ -2699,7 +2699,7 @@
           <p:cNvPr id="7" name="灯片编号占位符 6">
             <a:extLst>
               <a:ext uri="{FF2B5EF4-FFF2-40B4-BE49-F238E27FC236}">
-                <a16:creationId xmlns:a16="http://schemas.microsoft.com/office/drawing/2014/main" id="{49270CD2-45A4-2AC7-86AD-44834A5B42FF}"/>
+                <a16:creationId xmlns:a16="http://schemas.microsoft.com/office/drawing/2014/main" id="{25A8BE9D-AFF9-A6A9-94B4-769FC6CF2FBE}"/>
               </a:ext>
             </a:extLst>
           </p:cNvPr>
@@ -2715,7 +2715,7 @@
           <a:bodyPr/>
           <a:lstStyle/>
           <a:p>
-            <a:fld id="{029CE5B6-3EF2-4993-9C8D-F3DB0C4FB307}" type="slidenum">
+            <a:fld id="{9EACA4F7-2C0B-46BA-8096-236531A7BB63}" type="slidenum">
               <a:rPr lang="zh-CN" altLang="en-US" smtClean="0"/>
               <a:t>‹#›</a:t>
             </a:fld>
@@ -2726,7 +2726,7 @@
     </p:spTree>
     <p:extLst>
       <p:ext uri="{BB962C8B-B14F-4D97-AF65-F5344CB8AC3E}">
-        <p14:creationId xmlns:p14="http://schemas.microsoft.com/office/powerpoint/2010/main" val="1258106866"/>
+        <p14:creationId xmlns:p14="http://schemas.microsoft.com/office/powerpoint/2010/main" val="713653225"/>
       </p:ext>
     </p:extLst>
   </p:cSld>
@@ -2763,7 +2763,7 @@
           <p:cNvPr id="2" name="标题占位符 1">
             <a:extLst>
               <a:ext uri="{FF2B5EF4-FFF2-40B4-BE49-F238E27FC236}">
-                <a16:creationId xmlns:a16="http://schemas.microsoft.com/office/drawing/2014/main" id="{01C6D904-AE04-E83F-1202-3DEA7FEAD08A}"/>
+                <a16:creationId xmlns:a16="http://schemas.microsoft.com/office/drawing/2014/main" id="{FC90D1A3-070A-0ED5-268F-664EA502438E}"/>
               </a:ext>
             </a:extLst>
           </p:cNvPr>
@@ -2801,7 +2801,7 @@
           <p:cNvPr id="3" name="文本占位符 2">
             <a:extLst>
               <a:ext uri="{FF2B5EF4-FFF2-40B4-BE49-F238E27FC236}">
-                <a16:creationId xmlns:a16="http://schemas.microsoft.com/office/drawing/2014/main" id="{84518382-7A3F-1F2A-A9D3-CE7F78F366DF}"/>
+                <a16:creationId xmlns:a16="http://schemas.microsoft.com/office/drawing/2014/main" id="{8BC1D438-BE29-E6A1-0B9A-68AB996E8E2F}"/>
               </a:ext>
             </a:extLst>
           </p:cNvPr>
@@ -2868,7 +2868,7 @@
           <p:cNvPr id="4" name="日期占位符 3">
             <a:extLst>
               <a:ext uri="{FF2B5EF4-FFF2-40B4-BE49-F238E27FC236}">
-                <a16:creationId xmlns:a16="http://schemas.microsoft.com/office/drawing/2014/main" id="{F4EDD888-A624-5070-9CD2-9E5333DC275E}"/>
+                <a16:creationId xmlns:a16="http://schemas.microsoft.com/office/drawing/2014/main" id="{56203DC9-768B-FD00-618A-5776B1A7F290}"/>
               </a:ext>
             </a:extLst>
           </p:cNvPr>
@@ -2902,7 +2902,7 @@
             </a:lvl1pPr>
           </a:lstStyle>
           <a:p>
-            <a:fld id="{77524105-CCA7-4F82-85BA-E4A4A9032DF5}" type="datetimeFigureOut">
+            <a:fld id="{A53F50BC-A092-4EB4-8B95-9C89A0715BB9}" type="datetimeFigureOut">
               <a:rPr lang="zh-CN" altLang="en-US" smtClean="0"/>
               <a:t>2024/3/10</a:t>
             </a:fld>
@@ -2915,7 +2915,7 @@
           <p:cNvPr id="5" name="页脚占位符 4">
             <a:extLst>
               <a:ext uri="{FF2B5EF4-FFF2-40B4-BE49-F238E27FC236}">
-                <a16:creationId xmlns:a16="http://schemas.microsoft.com/office/drawing/2014/main" id="{E01E6861-BD9A-CAE3-2867-F460021D3DB7}"/>
+                <a16:creationId xmlns:a16="http://schemas.microsoft.com/office/drawing/2014/main" id="{60C09078-7112-D072-CAB7-5F150C571F2E}"/>
               </a:ext>
             </a:extLst>
           </p:cNvPr>
@@ -2958,7 +2958,7 @@
           <p:cNvPr id="6" name="灯片编号占位符 5">
             <a:extLst>
               <a:ext uri="{FF2B5EF4-FFF2-40B4-BE49-F238E27FC236}">
-                <a16:creationId xmlns:a16="http://schemas.microsoft.com/office/drawing/2014/main" id="{3BC18264-B53E-607E-27BF-68C1F452D7C0}"/>
+                <a16:creationId xmlns:a16="http://schemas.microsoft.com/office/drawing/2014/main" id="{C231D040-6053-F5F4-4739-C2D0075D4CA3}"/>
               </a:ext>
             </a:extLst>
           </p:cNvPr>
@@ -2992,7 +2992,7 @@
             </a:lvl1pPr>
           </a:lstStyle>
           <a:p>
-            <a:fld id="{029CE5B6-3EF2-4993-9C8D-F3DB0C4FB307}" type="slidenum">
+            <a:fld id="{9EACA4F7-2C0B-46BA-8096-236531A7BB63}" type="slidenum">
               <a:rPr lang="zh-CN" altLang="en-US" smtClean="0"/>
               <a:t>‹#›</a:t>
             </a:fld>
@@ -3003,7 +3003,7 @@
     </p:spTree>
     <p:extLst>
       <p:ext uri="{BB962C8B-B14F-4D97-AF65-F5344CB8AC3E}">
-        <p14:creationId xmlns:p14="http://schemas.microsoft.com/office/powerpoint/2010/main" val="2201100004"/>
+        <p14:creationId xmlns:p14="http://schemas.microsoft.com/office/powerpoint/2010/main" val="1945514816"/>
       </p:ext>
     </p:extLst>
   </p:cSld>
@@ -3323,7 +3323,7 @@
       </p:grpSpPr>
       <p:pic>
         <p:nvPicPr>
-          <p:cNvPr id="1491970" name="Picture 2" descr="1456"/>
+          <p:cNvPr id="1492994" name="Picture 2" descr="1457"/>
           <p:cNvPicPr>
             <a:picLocks noChangeAspect="1" noChangeArrowheads="1"/>
           </p:cNvPicPr>
@@ -3344,8 +3344,8 @@
         </p:blipFill>
         <p:spPr bwMode="auto">
           <a:xfrm>
-            <a:off x="1524000" y="0"/>
-            <a:ext cx="9144000" cy="4724400"/>
+            <a:off x="1524000" y="1"/>
+            <a:ext cx="9144000" cy="4005263"/>
           </a:xfrm>
           <a:prstGeom prst="rect">
             <a:avLst/>
